--- a/ppt.pptx
+++ b/ppt.pptx
@@ -48176,35 +48176,26 @@
       </p:grpSp>
       <p:pic>
         <p:nvPicPr>
-          <p:cNvPr id="21" name="图片 20" descr="马1.png"/>
-          <p:cNvPicPr/>
+          <p:cNvPr id="3" name="图片 2"/>
+          <p:cNvPicPr>
+            <a:picLocks noChangeAspect="1"/>
+          </p:cNvPicPr>
           <p:nvPr/>
         </p:nvPicPr>
         <p:blipFill>
-          <a:blip r:embed="rId3">
-            <a:extLst>
-              <a:ext uri="{28A0092B-C50C-407E-A947-70E740481C1C}">
-                <a14:useLocalDpi xmlns:a14="http://schemas.microsoft.com/office/drawing/2010/main" val="0"/>
-              </a:ext>
-            </a:extLst>
-          </a:blip>
-          <a:srcRect/>
+          <a:blip r:embed="rId3"/>
           <a:stretch>
             <a:fillRect/>
           </a:stretch>
         </p:blipFill>
-        <p:spPr bwMode="auto">
+        <p:spPr>
           <a:xfrm>
-            <a:off x="5754423" y="1206996"/>
-            <a:ext cx="4914900" cy="5195570"/>
+            <a:off x="5562227" y="1713917"/>
+            <a:ext cx="5854986" cy="4440738"/>
           </a:xfrm>
           <a:prstGeom prst="rect">
             <a:avLst/>
           </a:prstGeom>
-          <a:noFill/>
-          <a:ln>
-            <a:noFill/>
-          </a:ln>
         </p:spPr>
       </p:pic>
     </p:spTree>
